--- a/powerpoint/Session1.pptx
+++ b/powerpoint/Session1.pptx
@@ -156,6 +156,99 @@
 <file path=ppt/changesInfos/changesInfo1.xml><?xml version="1.0" encoding="utf-8"?>
 <pc:chgInfo xmlns:a="http://schemas.openxmlformats.org/drawingml/2006/main" xmlns:r="http://schemas.openxmlformats.org/officeDocument/2006/relationships" xmlns:ac="http://schemas.microsoft.com/office/drawing/2013/main/command" xmlns:pc="http://schemas.microsoft.com/office/powerpoint/2013/main/command">
   <pc:docChgLst>
+    <pc:chgData name="Srinivasa Rao" userId="a6b54366-f13d-4292-8bb4-f06c50909b1e" providerId="ADAL" clId="{FD21DB94-93B6-F44B-80FD-9B89440B2B62}"/>
+    <pc:docChg chg="modSld">
+      <pc:chgData name="Srinivasa Rao" userId="a6b54366-f13d-4292-8bb4-f06c50909b1e" providerId="ADAL" clId="{FD21DB94-93B6-F44B-80FD-9B89440B2B62}" dt="2024-04-22T19:21:52.537" v="17" actId="20577"/>
+      <pc:docMkLst>
+        <pc:docMk/>
+      </pc:docMkLst>
+      <pc:sldChg chg="modSp mod">
+        <pc:chgData name="Srinivasa Rao" userId="a6b54366-f13d-4292-8bb4-f06c50909b1e" providerId="ADAL" clId="{FD21DB94-93B6-F44B-80FD-9B89440B2B62}" dt="2024-04-22T19:19:04.315" v="6" actId="20577"/>
+        <pc:sldMkLst>
+          <pc:docMk/>
+          <pc:sldMk cId="0" sldId="256"/>
+        </pc:sldMkLst>
+        <pc:spChg chg="mod">
+          <ac:chgData name="Srinivasa Rao" userId="a6b54366-f13d-4292-8bb4-f06c50909b1e" providerId="ADAL" clId="{FD21DB94-93B6-F44B-80FD-9B89440B2B62}" dt="2024-04-22T19:19:04.315" v="6" actId="20577"/>
+          <ac:spMkLst>
+            <pc:docMk/>
+            <pc:sldMk cId="0" sldId="256"/>
+            <ac:spMk id="229" creationId="{00000000-0000-0000-0000-000000000000}"/>
+          </ac:spMkLst>
+        </pc:spChg>
+      </pc:sldChg>
+      <pc:sldChg chg="modSp mod">
+        <pc:chgData name="Srinivasa Rao" userId="a6b54366-f13d-4292-8bb4-f06c50909b1e" providerId="ADAL" clId="{FD21DB94-93B6-F44B-80FD-9B89440B2B62}" dt="2024-04-22T19:19:30.660" v="15" actId="20577"/>
+        <pc:sldMkLst>
+          <pc:docMk/>
+          <pc:sldMk cId="0" sldId="257"/>
+        </pc:sldMkLst>
+        <pc:spChg chg="mod">
+          <ac:chgData name="Srinivasa Rao" userId="a6b54366-f13d-4292-8bb4-f06c50909b1e" providerId="ADAL" clId="{FD21DB94-93B6-F44B-80FD-9B89440B2B62}" dt="2024-04-22T19:19:30.660" v="15" actId="20577"/>
+          <ac:spMkLst>
+            <pc:docMk/>
+            <pc:sldMk cId="0" sldId="257"/>
+            <ac:spMk id="230" creationId="{00000000-0000-0000-0000-000000000000}"/>
+          </ac:spMkLst>
+        </pc:spChg>
+      </pc:sldChg>
+      <pc:sldChg chg="modSp mod">
+        <pc:chgData name="Srinivasa Rao" userId="a6b54366-f13d-4292-8bb4-f06c50909b1e" providerId="ADAL" clId="{FD21DB94-93B6-F44B-80FD-9B89440B2B62}" dt="2024-04-22T19:21:52.537" v="17" actId="20577"/>
+        <pc:sldMkLst>
+          <pc:docMk/>
+          <pc:sldMk cId="55516250" sldId="285"/>
+        </pc:sldMkLst>
+        <pc:spChg chg="mod">
+          <ac:chgData name="Srinivasa Rao" userId="a6b54366-f13d-4292-8bb4-f06c50909b1e" providerId="ADAL" clId="{FD21DB94-93B6-F44B-80FD-9B89440B2B62}" dt="2024-04-22T19:21:52.537" v="17" actId="20577"/>
+          <ac:spMkLst>
+            <pc:docMk/>
+            <pc:sldMk cId="55516250" sldId="285"/>
+            <ac:spMk id="229" creationId="{00000000-0000-0000-0000-000000000000}"/>
+          </ac:spMkLst>
+        </pc:spChg>
+      </pc:sldChg>
+    </pc:docChg>
+  </pc:docChgLst>
+  <pc:docChgLst>
+    <pc:chgData name="Srinivasa Rao" userId="a6b54366-f13d-4292-8bb4-f06c50909b1e" providerId="ADAL" clId="{EBC3DFD4-8BF3-6842-9EBB-7D326FBFC1B9}"/>
+    <pc:docChg chg="modSld">
+      <pc:chgData name="Srinivasa Rao" userId="a6b54366-f13d-4292-8bb4-f06c50909b1e" providerId="ADAL" clId="{EBC3DFD4-8BF3-6842-9EBB-7D326FBFC1B9}" dt="2024-01-22T19:57:51.935" v="9" actId="20577"/>
+      <pc:docMkLst>
+        <pc:docMk/>
+      </pc:docMkLst>
+      <pc:sldChg chg="modSp mod">
+        <pc:chgData name="Srinivasa Rao" userId="a6b54366-f13d-4292-8bb4-f06c50909b1e" providerId="ADAL" clId="{EBC3DFD4-8BF3-6842-9EBB-7D326FBFC1B9}" dt="2024-01-22T19:57:33.198" v="7" actId="20577"/>
+        <pc:sldMkLst>
+          <pc:docMk/>
+          <pc:sldMk cId="0" sldId="256"/>
+        </pc:sldMkLst>
+        <pc:spChg chg="mod">
+          <ac:chgData name="Srinivasa Rao" userId="a6b54366-f13d-4292-8bb4-f06c50909b1e" providerId="ADAL" clId="{EBC3DFD4-8BF3-6842-9EBB-7D326FBFC1B9}" dt="2024-01-22T19:57:33.198" v="7" actId="20577"/>
+          <ac:spMkLst>
+            <pc:docMk/>
+            <pc:sldMk cId="0" sldId="256"/>
+            <ac:spMk id="229" creationId="{00000000-0000-0000-0000-000000000000}"/>
+          </ac:spMkLst>
+        </pc:spChg>
+      </pc:sldChg>
+      <pc:sldChg chg="modSp mod">
+        <pc:chgData name="Srinivasa Rao" userId="a6b54366-f13d-4292-8bb4-f06c50909b1e" providerId="ADAL" clId="{EBC3DFD4-8BF3-6842-9EBB-7D326FBFC1B9}" dt="2024-01-22T19:57:51.935" v="9" actId="20577"/>
+        <pc:sldMkLst>
+          <pc:docMk/>
+          <pc:sldMk cId="0" sldId="257"/>
+        </pc:sldMkLst>
+        <pc:spChg chg="mod">
+          <ac:chgData name="Srinivasa Rao" userId="a6b54366-f13d-4292-8bb4-f06c50909b1e" providerId="ADAL" clId="{EBC3DFD4-8BF3-6842-9EBB-7D326FBFC1B9}" dt="2024-01-22T19:57:51.935" v="9" actId="20577"/>
+          <ac:spMkLst>
+            <pc:docMk/>
+            <pc:sldMk cId="0" sldId="257"/>
+            <ac:spMk id="230" creationId="{00000000-0000-0000-0000-000000000000}"/>
+          </ac:spMkLst>
+        </pc:spChg>
+      </pc:sldChg>
+    </pc:docChg>
+  </pc:docChgLst>
+  <pc:docChgLst>
     <pc:chgData name="Srinivasa Rao" userId="a6b54366-f13d-4292-8bb4-f06c50909b1e" providerId="ADAL" clId="{6B9E06D8-20C2-D848-A103-87A0E5BBED98}"/>
     <pc:docChg chg="custSel addSld delSld modSld sldOrd">
       <pc:chgData name="Srinivasa Rao" userId="a6b54366-f13d-4292-8bb4-f06c50909b1e" providerId="ADAL" clId="{6B9E06D8-20C2-D848-A103-87A0E5BBED98}" dt="2023-10-10T10:24:42.232" v="226" actId="14100"/>
@@ -265,99 +358,6 @@
             <pc:docMk/>
             <pc:sldMk cId="3866619547" sldId="286"/>
             <ac:spMk id="232" creationId="{00000000-0000-0000-0000-000000000000}"/>
-          </ac:spMkLst>
-        </pc:spChg>
-      </pc:sldChg>
-    </pc:docChg>
-  </pc:docChgLst>
-  <pc:docChgLst>
-    <pc:chgData name="Srinivasa Rao" userId="a6b54366-f13d-4292-8bb4-f06c50909b1e" providerId="ADAL" clId="{FD21DB94-93B6-F44B-80FD-9B89440B2B62}"/>
-    <pc:docChg chg="modSld">
-      <pc:chgData name="Srinivasa Rao" userId="a6b54366-f13d-4292-8bb4-f06c50909b1e" providerId="ADAL" clId="{FD21DB94-93B6-F44B-80FD-9B89440B2B62}" dt="2024-04-22T19:21:52.537" v="17" actId="20577"/>
-      <pc:docMkLst>
-        <pc:docMk/>
-      </pc:docMkLst>
-      <pc:sldChg chg="modSp mod">
-        <pc:chgData name="Srinivasa Rao" userId="a6b54366-f13d-4292-8bb4-f06c50909b1e" providerId="ADAL" clId="{FD21DB94-93B6-F44B-80FD-9B89440B2B62}" dt="2024-04-22T19:19:04.315" v="6" actId="20577"/>
-        <pc:sldMkLst>
-          <pc:docMk/>
-          <pc:sldMk cId="0" sldId="256"/>
-        </pc:sldMkLst>
-        <pc:spChg chg="mod">
-          <ac:chgData name="Srinivasa Rao" userId="a6b54366-f13d-4292-8bb4-f06c50909b1e" providerId="ADAL" clId="{FD21DB94-93B6-F44B-80FD-9B89440B2B62}" dt="2024-04-22T19:19:04.315" v="6" actId="20577"/>
-          <ac:spMkLst>
-            <pc:docMk/>
-            <pc:sldMk cId="0" sldId="256"/>
-            <ac:spMk id="229" creationId="{00000000-0000-0000-0000-000000000000}"/>
-          </ac:spMkLst>
-        </pc:spChg>
-      </pc:sldChg>
-      <pc:sldChg chg="modSp mod">
-        <pc:chgData name="Srinivasa Rao" userId="a6b54366-f13d-4292-8bb4-f06c50909b1e" providerId="ADAL" clId="{FD21DB94-93B6-F44B-80FD-9B89440B2B62}" dt="2024-04-22T19:19:30.660" v="15" actId="20577"/>
-        <pc:sldMkLst>
-          <pc:docMk/>
-          <pc:sldMk cId="0" sldId="257"/>
-        </pc:sldMkLst>
-        <pc:spChg chg="mod">
-          <ac:chgData name="Srinivasa Rao" userId="a6b54366-f13d-4292-8bb4-f06c50909b1e" providerId="ADAL" clId="{FD21DB94-93B6-F44B-80FD-9B89440B2B62}" dt="2024-04-22T19:19:30.660" v="15" actId="20577"/>
-          <ac:spMkLst>
-            <pc:docMk/>
-            <pc:sldMk cId="0" sldId="257"/>
-            <ac:spMk id="230" creationId="{00000000-0000-0000-0000-000000000000}"/>
-          </ac:spMkLst>
-        </pc:spChg>
-      </pc:sldChg>
-      <pc:sldChg chg="modSp mod">
-        <pc:chgData name="Srinivasa Rao" userId="a6b54366-f13d-4292-8bb4-f06c50909b1e" providerId="ADAL" clId="{FD21DB94-93B6-F44B-80FD-9B89440B2B62}" dt="2024-04-22T19:21:52.537" v="17" actId="20577"/>
-        <pc:sldMkLst>
-          <pc:docMk/>
-          <pc:sldMk cId="55516250" sldId="285"/>
-        </pc:sldMkLst>
-        <pc:spChg chg="mod">
-          <ac:chgData name="Srinivasa Rao" userId="a6b54366-f13d-4292-8bb4-f06c50909b1e" providerId="ADAL" clId="{FD21DB94-93B6-F44B-80FD-9B89440B2B62}" dt="2024-04-22T19:21:52.537" v="17" actId="20577"/>
-          <ac:spMkLst>
-            <pc:docMk/>
-            <pc:sldMk cId="55516250" sldId="285"/>
-            <ac:spMk id="229" creationId="{00000000-0000-0000-0000-000000000000}"/>
-          </ac:spMkLst>
-        </pc:spChg>
-      </pc:sldChg>
-    </pc:docChg>
-  </pc:docChgLst>
-  <pc:docChgLst>
-    <pc:chgData name="Srinivasa Rao" userId="a6b54366-f13d-4292-8bb4-f06c50909b1e" providerId="ADAL" clId="{EBC3DFD4-8BF3-6842-9EBB-7D326FBFC1B9}"/>
-    <pc:docChg chg="modSld">
-      <pc:chgData name="Srinivasa Rao" userId="a6b54366-f13d-4292-8bb4-f06c50909b1e" providerId="ADAL" clId="{EBC3DFD4-8BF3-6842-9EBB-7D326FBFC1B9}" dt="2024-01-22T19:57:51.935" v="9" actId="20577"/>
-      <pc:docMkLst>
-        <pc:docMk/>
-      </pc:docMkLst>
-      <pc:sldChg chg="modSp mod">
-        <pc:chgData name="Srinivasa Rao" userId="a6b54366-f13d-4292-8bb4-f06c50909b1e" providerId="ADAL" clId="{EBC3DFD4-8BF3-6842-9EBB-7D326FBFC1B9}" dt="2024-01-22T19:57:33.198" v="7" actId="20577"/>
-        <pc:sldMkLst>
-          <pc:docMk/>
-          <pc:sldMk cId="0" sldId="256"/>
-        </pc:sldMkLst>
-        <pc:spChg chg="mod">
-          <ac:chgData name="Srinivasa Rao" userId="a6b54366-f13d-4292-8bb4-f06c50909b1e" providerId="ADAL" clId="{EBC3DFD4-8BF3-6842-9EBB-7D326FBFC1B9}" dt="2024-01-22T19:57:33.198" v="7" actId="20577"/>
-          <ac:spMkLst>
-            <pc:docMk/>
-            <pc:sldMk cId="0" sldId="256"/>
-            <ac:spMk id="229" creationId="{00000000-0000-0000-0000-000000000000}"/>
-          </ac:spMkLst>
-        </pc:spChg>
-      </pc:sldChg>
-      <pc:sldChg chg="modSp mod">
-        <pc:chgData name="Srinivasa Rao" userId="a6b54366-f13d-4292-8bb4-f06c50909b1e" providerId="ADAL" clId="{EBC3DFD4-8BF3-6842-9EBB-7D326FBFC1B9}" dt="2024-01-22T19:57:51.935" v="9" actId="20577"/>
-        <pc:sldMkLst>
-          <pc:docMk/>
-          <pc:sldMk cId="0" sldId="257"/>
-        </pc:sldMkLst>
-        <pc:spChg chg="mod">
-          <ac:chgData name="Srinivasa Rao" userId="a6b54366-f13d-4292-8bb4-f06c50909b1e" providerId="ADAL" clId="{EBC3DFD4-8BF3-6842-9EBB-7D326FBFC1B9}" dt="2024-01-22T19:57:51.935" v="9" actId="20577"/>
-          <ac:spMkLst>
-            <pc:docMk/>
-            <pc:sldMk cId="0" sldId="257"/>
-            <ac:spMk id="230" creationId="{00000000-0000-0000-0000-000000000000}"/>
           </ac:spMkLst>
         </pc:spChg>
       </pc:sldChg>
@@ -20231,6 +20231,16 @@
               </a:tabLst>
             </a:pPr>
             <a:r>
+              <a:rPr lang="en-US" sz="3200" spc="-1" dirty="0">
+                <a:solidFill>
+                  <a:srgbClr val="8B8B8B"/>
+                </a:solidFill>
+                <a:latin typeface="Calibri"/>
+                <a:ea typeface="DejaVu Sans"/>
+              </a:rPr>
+              <a:t>Michaelmas</a:t>
+            </a:r>
+            <a:r>
               <a:rPr lang="en-US" sz="3200" b="0" strike="noStrike" spc="-1" dirty="0">
                 <a:solidFill>
                   <a:srgbClr val="8B8B8B"/>
@@ -20238,7 +20248,7 @@
                 <a:latin typeface="Calibri"/>
                 <a:ea typeface="DejaVu Sans"/>
               </a:rPr>
-              <a:t>Trinity 2024</a:t>
+              <a:t> 2024</a:t>
             </a:r>
             <a:endParaRPr lang="en-GB" sz="3200" b="0" strike="noStrike" spc="-1" dirty="0">
               <a:latin typeface="Arial"/>
@@ -30379,14 +30389,24 @@
               </a:tabLst>
             </a:pPr>
             <a:r>
-              <a:rPr lang="en-US" sz="3200" b="0" strike="noStrike" spc="-1">
+              <a:rPr lang="en-US" sz="3200" spc="-1" dirty="0">
                 <a:solidFill>
                   <a:srgbClr val="8B8B8B"/>
                 </a:solidFill>
                 <a:latin typeface="Calibri"/>
                 <a:ea typeface="DejaVu Sans"/>
               </a:rPr>
-              <a:t>Trinity 2024</a:t>
+              <a:t>Michaelmas</a:t>
+            </a:r>
+            <a:r>
+              <a:rPr lang="en-US" sz="3200" b="0" strike="noStrike" spc="-1" dirty="0">
+                <a:solidFill>
+                  <a:srgbClr val="8B8B8B"/>
+                </a:solidFill>
+                <a:latin typeface="Calibri"/>
+                <a:ea typeface="DejaVu Sans"/>
+              </a:rPr>
+              <a:t> 2024</a:t>
             </a:r>
             <a:endParaRPr lang="en-GB" sz="3200" b="0" strike="noStrike" spc="-1" dirty="0">
               <a:latin typeface="Arial"/>
@@ -45094,7 +45114,7 @@
         <p:spPr>
           <a:xfrm>
             <a:off x="823320" y="1380240"/>
-            <a:ext cx="7618320" cy="3451680"/>
+            <a:ext cx="7361675" cy="3451680"/>
           </a:xfrm>
           <a:prstGeom prst="rect">
             <a:avLst/>
@@ -45185,17 +45205,14 @@
                 <a:latin typeface="Calibri"/>
                 <a:hlinkClick r:id="rId2"/>
               </a:rPr>
-              <a:t>https://github.com/sraorao/MSD_R_course_TT2024</a:t>
+              <a:t>https://github.com/sraorao/MSD_R_course_MT2024/</a:t>
             </a:r>
-            <a:r>
-              <a:rPr lang="en-US" sz="3600" spc="-1" dirty="0">
-                <a:solidFill>
-                  <a:srgbClr val="000000"/>
-                </a:solidFill>
-                <a:latin typeface="Calibri"/>
-              </a:rPr>
-              <a:t> </a:t>
-            </a:r>
+            <a:endParaRPr lang="en-US" sz="3600" spc="-1" dirty="0">
+              <a:solidFill>
+                <a:srgbClr val="000000"/>
+              </a:solidFill>
+              <a:latin typeface="Calibri"/>
+            </a:endParaRPr>
           </a:p>
           <a:p>
             <a:pPr marL="285840" indent="-284760">
